--- a/database/slides/LET_US_BREAK_BREAD.pptx
+++ b/database/slides/LET_US_BREAK_BREAD.pptx
@@ -15504,7 +15504,7 @@
               <a:buNone/>
             </a:pPr>
             <a:r>
-              <a:rPr lang="en-GB" sz="3800" b="1" dirty="0">
+              <a:rPr lang="en-GB" sz="3750" b="1" dirty="0">
                 <a:solidFill>
                   <a:schemeClr val="bg1"/>
                 </a:solidFill>
@@ -15512,7 +15512,7 @@
                 <a:ea typeface="Calibri" panose="020F0502020204030204" pitchFamily="34" charset="0"/>
                 <a:cs typeface="Calibri" panose="020F0502020204030204" pitchFamily="34" charset="0"/>
               </a:rPr>
-              <a:t>Let us break bread together on out knees (2)</a:t>
+              <a:t>Let us break bread together on our knees (2)</a:t>
             </a:r>
           </a:p>
           <a:p>
